--- a/Supervised_Learning_Capstone/Sup_Learning_Capstone.pptx
+++ b/Supervised_Learning_Capstone/Sup_Learning_Capstone.pptx
@@ -123,6 +123,11 @@
       </a:defRPr>
     </a:lvl9pPr>
   </p:defaultTextStyle>
+  <p:extLst>
+    <p:ext uri="{EFAFB233-063F-42B5-8137-9DF3F51BA10A}">
+      <p15:sldGuideLst xmlns:p15="http://schemas.microsoft.com/office/powerpoint/2012/main"/>
+    </p:ext>
+  </p:extLst>
 </p:presentation>
 </file>
 
@@ -265,7 +270,7 @@
           <a:p>
             <a:fld id="{07D9C7B9-943A-BF4F-ADF0-AB060C3BA649}" type="datetimeFigureOut">
               <a:rPr lang="en-US" smtClean="0"/>
-              <a:t>4/9/19</a:t>
+              <a:t>4/20/19</a:t>
             </a:fld>
             <a:endParaRPr lang="en-US"/>
           </a:p>
@@ -476,7 +481,7 @@
           <a:p>
             <a:fld id="{07D9C7B9-943A-BF4F-ADF0-AB060C3BA649}" type="datetimeFigureOut">
               <a:rPr lang="en-US" smtClean="0"/>
-              <a:t>4/9/19</a:t>
+              <a:t>4/20/19</a:t>
             </a:fld>
             <a:endParaRPr lang="en-US"/>
           </a:p>
@@ -691,7 +696,7 @@
           <a:p>
             <a:fld id="{07D9C7B9-943A-BF4F-ADF0-AB060C3BA649}" type="datetimeFigureOut">
               <a:rPr lang="en-US" smtClean="0"/>
-              <a:t>4/9/19</a:t>
+              <a:t>4/20/19</a:t>
             </a:fld>
             <a:endParaRPr lang="en-US"/>
           </a:p>
@@ -892,7 +897,7 @@
           <a:p>
             <a:fld id="{07D9C7B9-943A-BF4F-ADF0-AB060C3BA649}" type="datetimeFigureOut">
               <a:rPr lang="en-US" smtClean="0"/>
-              <a:t>4/9/19</a:t>
+              <a:t>4/20/19</a:t>
             </a:fld>
             <a:endParaRPr lang="en-US"/>
           </a:p>
@@ -1171,7 +1176,7 @@
           <a:p>
             <a:fld id="{07D9C7B9-943A-BF4F-ADF0-AB060C3BA649}" type="datetimeFigureOut">
               <a:rPr lang="en-US" smtClean="0"/>
-              <a:t>4/9/19</a:t>
+              <a:t>4/20/19</a:t>
             </a:fld>
             <a:endParaRPr lang="en-US"/>
           </a:p>
@@ -1439,7 +1444,7 @@
           <a:p>
             <a:fld id="{07D9C7B9-943A-BF4F-ADF0-AB060C3BA649}" type="datetimeFigureOut">
               <a:rPr lang="en-US" smtClean="0"/>
-              <a:t>4/9/19</a:t>
+              <a:t>4/20/19</a:t>
             </a:fld>
             <a:endParaRPr lang="en-US"/>
           </a:p>
@@ -1860,7 +1865,7 @@
           <a:p>
             <a:fld id="{07D9C7B9-943A-BF4F-ADF0-AB060C3BA649}" type="datetimeFigureOut">
               <a:rPr lang="en-US" smtClean="0"/>
-              <a:t>4/9/19</a:t>
+              <a:t>4/20/19</a:t>
             </a:fld>
             <a:endParaRPr lang="en-US"/>
           </a:p>
@@ -2014,7 +2019,7 @@
           <a:p>
             <a:fld id="{07D9C7B9-943A-BF4F-ADF0-AB060C3BA649}" type="datetimeFigureOut">
               <a:rPr lang="en-US" smtClean="0"/>
-              <a:t>4/9/19</a:t>
+              <a:t>4/20/19</a:t>
             </a:fld>
             <a:endParaRPr lang="en-US"/>
           </a:p>
@@ -2140,7 +2145,7 @@
           <a:p>
             <a:fld id="{07D9C7B9-943A-BF4F-ADF0-AB060C3BA649}" type="datetimeFigureOut">
               <a:rPr lang="en-US" smtClean="0"/>
-              <a:t>4/9/19</a:t>
+              <a:t>4/20/19</a:t>
             </a:fld>
             <a:endParaRPr lang="en-US"/>
           </a:p>
@@ -2391,7 +2396,7 @@
           <a:p>
             <a:fld id="{07D9C7B9-943A-BF4F-ADF0-AB060C3BA649}" type="datetimeFigureOut">
               <a:rPr lang="en-US" smtClean="0"/>
-              <a:t>4/9/19</a:t>
+              <a:t>4/20/19</a:t>
             </a:fld>
             <a:endParaRPr lang="en-US"/>
           </a:p>
@@ -2841,7 +2846,7 @@
           <a:p>
             <a:fld id="{07D9C7B9-943A-BF4F-ADF0-AB060C3BA649}" type="datetimeFigureOut">
               <a:rPr lang="en-US" smtClean="0"/>
-              <a:t>4/9/19</a:t>
+              <a:t>4/20/19</a:t>
             </a:fld>
             <a:endParaRPr lang="en-US"/>
           </a:p>
@@ -3168,7 +3173,7 @@
           <a:p>
             <a:fld id="{07D9C7B9-943A-BF4F-ADF0-AB060C3BA649}" type="datetimeFigureOut">
               <a:rPr lang="en-US" smtClean="0"/>
-              <a:t>4/9/19</a:t>
+              <a:t>4/20/19</a:t>
             </a:fld>
             <a:endParaRPr lang="en-US"/>
           </a:p>
@@ -5392,7 +5397,7 @@
       </p:grpSpPr>
       <p:sp useBgFill="1">
         <p:nvSpPr>
-          <p:cNvPr id="31" name="Rectangle 30">
+          <p:cNvPr id="38" name="Rectangle 37">
             <a:extLst>
               <a:ext uri="{FF2B5EF4-FFF2-40B4-BE49-F238E27FC236}">
                 <a16:creationId xmlns:a16="http://schemas.microsoft.com/office/drawing/2014/main" id="{F1176DA6-4BBF-42A4-9C94-E6613CCD6B37}"/>
@@ -5452,7 +5457,7 @@
       </p:sp>
       <p:sp>
         <p:nvSpPr>
-          <p:cNvPr id="33" name="Rectangle 32">
+          <p:cNvPr id="40" name="Rectangle 39">
             <a:extLst>
               <a:ext uri="{FF2B5EF4-FFF2-40B4-BE49-F238E27FC236}">
                 <a16:creationId xmlns:a16="http://schemas.microsoft.com/office/drawing/2014/main" id="{99AAB0AE-172B-4FB4-80C2-86CD6B824220}"/>
@@ -5486,7 +5491,10 @@
           </a:solidFill>
           <a:ln w="22225">
             <a:solidFill>
-              <a:srgbClr val="9895FE"/>
+              <a:schemeClr val="tx1">
+                <a:lumMod val="50000"/>
+                <a:lumOff val="50000"/>
+              </a:schemeClr>
             </a:solidFill>
           </a:ln>
         </p:spPr>
@@ -5517,10 +5525,10 @@
       </p:sp>
       <p:pic>
         <p:nvPicPr>
-          <p:cNvPr id="13" name="Picture 12" descr="A screenshot of a cell phone&#10;&#10;Description automatically generated">
+          <p:cNvPr id="3" name="Picture 2">
             <a:extLst>
               <a:ext uri="{FF2B5EF4-FFF2-40B4-BE49-F238E27FC236}">
-                <a16:creationId xmlns:a16="http://schemas.microsoft.com/office/drawing/2014/main" id="{38BF7957-BE3C-2D4F-A43A-D9EEFAD6E543}"/>
+                <a16:creationId xmlns:a16="http://schemas.microsoft.com/office/drawing/2014/main" id="{83290D63-A02A-3A47-8716-3E4AD7224A3A}"/>
               </a:ext>
             </a:extLst>
           </p:cNvPr>
@@ -5530,15 +5538,17 @@
           <p:nvPr/>
         </p:nvPicPr>
         <p:blipFill>
-          <a:blip r:embed="rId2"/>
+          <a:blip r:embed="rId2">
+            <a:extLst/>
+          </a:blip>
           <a:stretch>
             <a:fillRect/>
           </a:stretch>
         </p:blipFill>
         <p:spPr>
           <a:xfrm>
-            <a:off x="1656903" y="643467"/>
-            <a:ext cx="8878193" cy="5571066"/>
+            <a:off x="1917700" y="643467"/>
+            <a:ext cx="8356600" cy="5571066"/>
           </a:xfrm>
           <a:prstGeom prst="rect">
             <a:avLst/>
@@ -5601,7 +5611,7 @@
       </p:grpSpPr>
       <p:sp useBgFill="1">
         <p:nvSpPr>
-          <p:cNvPr id="15" name="Rectangle 14">
+          <p:cNvPr id="22" name="Rectangle 21">
             <a:extLst>
               <a:ext uri="{FF2B5EF4-FFF2-40B4-BE49-F238E27FC236}">
                 <a16:creationId xmlns:a16="http://schemas.microsoft.com/office/drawing/2014/main" id="{F1176DA6-4BBF-42A4-9C94-E6613CCD6B37}"/>
@@ -5661,7 +5671,7 @@
       </p:sp>
       <p:sp>
         <p:nvSpPr>
-          <p:cNvPr id="17" name="Rectangle 16">
+          <p:cNvPr id="24" name="Rectangle 23">
             <a:extLst>
               <a:ext uri="{FF2B5EF4-FFF2-40B4-BE49-F238E27FC236}">
                 <a16:creationId xmlns:a16="http://schemas.microsoft.com/office/drawing/2014/main" id="{99AAB0AE-172B-4FB4-80C2-86CD6B824220}"/>
@@ -5695,7 +5705,10 @@
           </a:solidFill>
           <a:ln w="22225">
             <a:solidFill>
-              <a:srgbClr val="E599E5"/>
+              <a:schemeClr val="tx1">
+                <a:lumMod val="50000"/>
+                <a:lumOff val="50000"/>
+              </a:schemeClr>
             </a:solidFill>
           </a:ln>
         </p:spPr>
@@ -5726,10 +5739,10 @@
       </p:sp>
       <p:pic>
         <p:nvPicPr>
-          <p:cNvPr id="5" name="Picture 4" descr="A screenshot of a cell phone&#10;&#10;Description automatically generated">
+          <p:cNvPr id="3" name="Picture 2">
             <a:extLst>
               <a:ext uri="{FF2B5EF4-FFF2-40B4-BE49-F238E27FC236}">
-                <a16:creationId xmlns:a16="http://schemas.microsoft.com/office/drawing/2014/main" id="{8F5586FC-5A4F-0C4C-9268-A70D51EC740E}"/>
+                <a16:creationId xmlns:a16="http://schemas.microsoft.com/office/drawing/2014/main" id="{67EAB171-3DE8-854C-BF1D-3835EBDA4CCE}"/>
               </a:ext>
             </a:extLst>
           </p:cNvPr>
@@ -5739,15 +5752,17 @@
           <p:nvPr/>
         </p:nvPicPr>
         <p:blipFill>
-          <a:blip r:embed="rId2"/>
+          <a:blip r:embed="rId2">
+            <a:extLst/>
+          </a:blip>
           <a:stretch>
             <a:fillRect/>
           </a:stretch>
         </p:blipFill>
         <p:spPr>
           <a:xfrm>
-            <a:off x="1566676" y="643467"/>
-            <a:ext cx="9058647" cy="5571066"/>
+            <a:off x="1917700" y="643467"/>
+            <a:ext cx="8356600" cy="5571066"/>
           </a:xfrm>
           <a:prstGeom prst="rect">
             <a:avLst/>
@@ -5810,7 +5825,7 @@
       </p:grpSpPr>
       <p:sp useBgFill="1">
         <p:nvSpPr>
-          <p:cNvPr id="25" name="Rectangle 24">
+          <p:cNvPr id="32" name="Rectangle 31">
             <a:extLst>
               <a:ext uri="{FF2B5EF4-FFF2-40B4-BE49-F238E27FC236}">
                 <a16:creationId xmlns:a16="http://schemas.microsoft.com/office/drawing/2014/main" id="{F1176DA6-4BBF-42A4-9C94-E6613CCD6B37}"/>
@@ -5870,7 +5885,7 @@
       </p:sp>
       <p:sp>
         <p:nvSpPr>
-          <p:cNvPr id="27" name="Rectangle 26">
+          <p:cNvPr id="34" name="Rectangle 33">
             <a:extLst>
               <a:ext uri="{FF2B5EF4-FFF2-40B4-BE49-F238E27FC236}">
                 <a16:creationId xmlns:a16="http://schemas.microsoft.com/office/drawing/2014/main" id="{99AAB0AE-172B-4FB4-80C2-86CD6B824220}"/>
@@ -5904,7 +5919,10 @@
           </a:solidFill>
           <a:ln w="22225">
             <a:solidFill>
-              <a:srgbClr val="99E5E4"/>
+              <a:schemeClr val="tx1">
+                <a:lumMod val="50000"/>
+                <a:lumOff val="50000"/>
+              </a:schemeClr>
             </a:solidFill>
           </a:ln>
         </p:spPr>
@@ -5935,10 +5953,10 @@
       </p:sp>
       <p:pic>
         <p:nvPicPr>
-          <p:cNvPr id="7" name="Picture 6" descr="A picture containing screenshot&#10;&#10;Description automatically generated">
+          <p:cNvPr id="3" name="Picture 2">
             <a:extLst>
               <a:ext uri="{FF2B5EF4-FFF2-40B4-BE49-F238E27FC236}">
-                <a16:creationId xmlns:a16="http://schemas.microsoft.com/office/drawing/2014/main" id="{62ECEAD2-E24C-1D4B-B684-C8E5AD1138E1}"/>
+                <a16:creationId xmlns:a16="http://schemas.microsoft.com/office/drawing/2014/main" id="{010F3D88-2C17-4D46-B098-70C598943DAA}"/>
               </a:ext>
             </a:extLst>
           </p:cNvPr>
@@ -5948,15 +5966,17 @@
           <p:nvPr/>
         </p:nvPicPr>
         <p:blipFill>
-          <a:blip r:embed="rId2"/>
+          <a:blip r:embed="rId2">
+            <a:extLst/>
+          </a:blip>
           <a:stretch>
             <a:fillRect/>
           </a:stretch>
         </p:blipFill>
         <p:spPr>
           <a:xfrm>
-            <a:off x="1566676" y="643467"/>
-            <a:ext cx="9058647" cy="5571066"/>
+            <a:off x="1917700" y="643467"/>
+            <a:ext cx="8356600" cy="5571066"/>
           </a:xfrm>
           <a:prstGeom prst="rect">
             <a:avLst/>
